--- a/Project SQL - Presentation v3 ENG.pptx
+++ b/Project SQL - Presentation v3 ENG.pptx
@@ -304,7 +304,7 @@
       </p15:sldGuideLst>
     </p:ext>
     <p:ext uri="http://customooxmlschemas.google.com/">
-      <go:slidesCustomData xmlns:go="http://customooxmlschemas.google.com/" xmlns:ahyp="http://schemas.microsoft.com/office/drawing/2018/hyperlinkcolor" xmlns:p15="http://schemas.microsoft.com/office/powerpoint/2012/main" xmlns:p14="http://schemas.microsoft.com/office/powerpoint/2010/main" xmlns:com="http://schemas.openxmlformats.org/drawingml/2006/compatibility" xmlns:pvml="urn:schemas-microsoft-com:office:powerpoint" xmlns:v="urn:schemas-microsoft-com:vml" xmlns:o="urn:schemas-microsoft-com:office:office" xmlns:dgm="http://schemas.openxmlformats.org/drawingml/2006/diagram" xmlns:c="http://schemas.openxmlformats.org/drawingml/2006/chart" xmlns:mv="urn:schemas-microsoft-com:mac:vml" xmlns:mc="http://schemas.openxmlformats.org/markup-compatibility/2006" xmlns="" r:id="rId42" roundtripDataSignature="AMtx7mhK8De2imwYD2ffk/z85hd/Ajj8oA=="/>
+      <go:slidesCustomData xmlns="" xmlns:mc="http://schemas.openxmlformats.org/markup-compatibility/2006" xmlns:mv="urn:schemas-microsoft-com:mac:vml" xmlns:c="http://schemas.openxmlformats.org/drawingml/2006/chart" xmlns:dgm="http://schemas.openxmlformats.org/drawingml/2006/diagram" xmlns:o="urn:schemas-microsoft-com:office:office" xmlns:v="urn:schemas-microsoft-com:vml" xmlns:pvml="urn:schemas-microsoft-com:office:powerpoint" xmlns:com="http://schemas.openxmlformats.org/drawingml/2006/compatibility" xmlns:p14="http://schemas.microsoft.com/office/powerpoint/2010/main" xmlns:p15="http://schemas.microsoft.com/office/powerpoint/2012/main" xmlns:ahyp="http://schemas.microsoft.com/office/drawing/2018/hyperlinkcolor" xmlns:go="http://customooxmlschemas.google.com/" r:id="rId42" roundtripDataSignature="AMtx7mhK8De2imwYD2ffk/z85hd/Ajj8oA=="/>
     </p:ext>
   </p:extLst>
 </p:presentation>
@@ -1772,7 +1772,7 @@
         </p:nvSpPr>
         <p:spPr>
           <a:xfrm>
-            <a:off x="381300" y="685800"/>
+            <a:off x="381000" y="685800"/>
             <a:ext cx="6096000" cy="3429000"/>
           </a:xfrm>
           <a:custGeom>
@@ -2870,7 +2870,7 @@
         </p:nvSpPr>
         <p:spPr>
           <a:xfrm>
-            <a:off x="381300" y="685800"/>
+            <a:off x="381000" y="685800"/>
             <a:ext cx="6096000" cy="3429000"/>
           </a:xfrm>
           <a:custGeom>
@@ -4827,7 +4827,7 @@
         </p:nvSpPr>
         <p:spPr>
           <a:xfrm>
-            <a:off x="381300" y="685800"/>
+            <a:off x="381000" y="685800"/>
             <a:ext cx="6096000" cy="3429000"/>
           </a:xfrm>
           <a:custGeom>
@@ -13626,26 +13626,18 @@
               <a:buNone/>
             </a:pPr>
             <a:r>
-              <a:rPr lang="en"/>
+              <a:rPr lang="en" dirty="0"/>
               <a:t>Preliminary operation to the previous block was to standardize the data of the </a:t>
             </a:r>
             <a:r>
-              <a:rPr lang="en" i="1"/>
-              <a:t>country_name field </a:t>
-            </a:r>
-            <a:r>
-              <a:rPr lang="en"/>
-              <a:t>,</a:t>
-            </a:r>
-            <a:r>
-              <a:rPr lang="en" i="1"/>
-              <a:t> </a:t>
-            </a:r>
-            <a:r>
-              <a:rPr lang="en"/>
+              <a:rPr lang="en" i="1" dirty="0"/>
+              <a:t>country_name field, </a:t>
+            </a:r>
+            <a:r>
+              <a:rPr lang="en" dirty="0"/>
               <a:t>searching and updating typos or different denominations (tot. 10 updates) and eliminating numerical values and other words that generated redundancy.</a:t>
             </a:r>
-            <a:endParaRPr/>
+            <a:endParaRPr dirty="0"/>
           </a:p>
         </p:txBody>
       </p:sp>
@@ -16301,22 +16293,33 @@
               <a:buNone/>
             </a:pPr>
             <a:r>
-              <a:rPr lang="en"/>
+              <a:rPr lang="en" dirty="0"/>
               <a:t>The most visited nation is Canada with 13.78% followed by Mexico with 11.85%. Neighboring nations predictably represent destinations for </a:t>
             </a:r>
             <a:r>
-              <a:rPr lang="en">
+              <a:rPr lang="en" dirty="0">
                 <a:solidFill>
+                  <a:schemeClr val="tx1"/>
+                </a:solidFill>
+                <a:highlight>
                   <a:srgbClr val="FF0000"/>
+                </a:highlight>
+              </a:rPr>
+              <a:t>25.63%</a:t>
+            </a:r>
+            <a:r>
+              <a:rPr lang="en" dirty="0">
+                <a:solidFill>
+                  <a:schemeClr val="tx1"/>
                 </a:solidFill>
               </a:rPr>
-              <a:t>25.63% </a:t>
-            </a:r>
-            <a:r>
-              <a:rPr lang="en"/>
+              <a:t> </a:t>
+            </a:r>
+            <a:r>
+              <a:rPr lang="en" dirty="0"/>
               <a:t>of US travelers.</a:t>
             </a:r>
-            <a:endParaRPr/>
+            <a:endParaRPr dirty="0"/>
           </a:p>
         </p:txBody>
       </p:sp>
@@ -16570,15 +16573,26 @@
             </a:pPr>
             <a:r>
               <a:rPr lang="en" dirty="0"/>
-              <a:t>Among the nations most subject to DOS warnings are African and Middle Eastern countries with no nation emerging in the top ten positions. This list represents </a:t>
+              <a:t>Among the nations most subject to DOS warnings are African and Middle Eastern countries with no nation emerging in the top ten positions. These nations represent </a:t>
             </a:r>
             <a:r>
               <a:rPr lang="en" dirty="0">
                 <a:solidFill>
+                  <a:schemeClr val="tx1"/>
+                </a:solidFill>
+                <a:highlight>
                   <a:srgbClr val="FF0000"/>
+                </a:highlight>
+              </a:rPr>
+              <a:t>31.49%</a:t>
+            </a:r>
+            <a:r>
+              <a:rPr lang="en" dirty="0">
+                <a:solidFill>
+                  <a:schemeClr val="tx1"/>
                 </a:solidFill>
               </a:rPr>
-              <a:t>31.49% </a:t>
+              <a:t> </a:t>
             </a:r>
             <a:r>
               <a:rPr lang="en" dirty="0"/>
@@ -16792,7 +16806,7 @@
         </p:spPr>
         <p:txBody>
           <a:bodyPr spcFirstLastPara="1" wrap="square" lIns="91425" tIns="91425" rIns="91425" bIns="91425" anchor="t" anchorCtr="0">
-            <a:normAutofit fontScale="92500"/>
+            <a:normAutofit fontScale="85000" lnSpcReduction="10000"/>
           </a:bodyPr>
           <a:lstStyle/>
           <a:p>
@@ -16812,6 +16826,17 @@
             <a:r>
               <a:rPr lang="en" dirty="0"/>
               <a:t>By ordering the previous ranking in reverse, we find that the safest country according to the ranking is </a:t>
+            </a:r>
+            <a:r>
+              <a:rPr lang="en" dirty="0">
+                <a:solidFill>
+                  <a:schemeClr val="tx1"/>
+                </a:solidFill>
+                <a:highlight>
+                  <a:srgbClr val="FF0000"/>
+                </a:highlight>
+              </a:rPr>
+              <a:t>Madagascar</a:t>
             </a:r>
             <a:r>
               <a:rPr lang="en" dirty="0">
@@ -16819,11 +16844,11 @@
                   <a:srgbClr val="FF0000"/>
                 </a:solidFill>
               </a:rPr>
-              <a:t>Madagascar </a:t>
+              <a:t> </a:t>
             </a:r>
             <a:r>
               <a:rPr lang="en" dirty="0"/>
-              <a:t>. Curiously among the safest nations are African and Middle Eastern nations, along with Kyrgyzstan in Central Asia and Sri Lanka in South Asia.</a:t>
+              <a:t>. Curiously among the safest nations there are also African and Middle Eastern nations, along with Kyrgyzstan in Central Asia and Sri Lanka in South Asia.</a:t>
             </a:r>
             <a:endParaRPr dirty="0"/>
           </a:p>
@@ -16843,7 +16868,7 @@
             </a:pPr>
             <a:r>
               <a:rPr lang="en" dirty="0"/>
-              <a:t>The list also carries special hazard warnings for worldwide and for cyclones in the South Pacific.</a:t>
+              <a:t>The list also carries special hazard warnings for worldwide and for cyclones in the South Pacific that aren’t relatable to a specific countries.</a:t>
             </a:r>
             <a:endParaRPr dirty="0"/>
           </a:p>
@@ -17077,10 +17102,13 @@
             <a:r>
               <a:rPr lang="en" sz="1600" dirty="0">
                 <a:solidFill>
+                  <a:schemeClr val="tx1"/>
+                </a:solidFill>
+                <a:highlight>
                   <a:srgbClr val="FF0000"/>
-                </a:solidFill>
+                </a:highlight>
               </a:rPr>
-              <a:t>Thailand </a:t>
+              <a:t>Thailand</a:t>
             </a:r>
             <a:r>
               <a:rPr lang="en" sz="1600" dirty="0">
@@ -17092,7 +17120,7 @@
             </a:r>
             <a:r>
               <a:rPr lang="en" sz="1600" dirty="0"/>
-              <a:t>almost 8 times the mortality of Haiti, which is in second place, having about 8 times fewer passengers. Thailand is also the country with the highest absolute death toll.</a:t>
+              <a:t>almost 8 times the mortality of Haiti, which is in second place, while having about 8 times fewer passengers. Thailand is also the country with the highest absolute death toll.</a:t>
             </a:r>
             <a:endParaRPr sz="1600" dirty="0"/>
           </a:p>
@@ -17136,7 +17164,7 @@
             </a:r>
             <a:r>
               <a:rPr lang="en" sz="1600" dirty="0"/>
-              <a:t>and then link them into the final table.</a:t>
+              <a:t>and then join them into the final table.</a:t>
             </a:r>
             <a:endParaRPr sz="1600" dirty="0"/>
           </a:p>
@@ -17299,10 +17327,10 @@
               <a:buChar char="●"/>
             </a:pPr>
             <a:r>
-              <a:rPr lang="en"/>
+              <a:rPr lang="en" dirty="0"/>
               <a:t>Every year tens of thousands of people travel to other countries for business or pleasure trips, or to return to their country of origin</a:t>
             </a:r>
-            <a:endParaRPr/>
+            <a:endParaRPr dirty="0"/>
           </a:p>
           <a:p>
             <a:pPr marL="457200" lvl="0" indent="-342900" algn="l" rtl="0">
@@ -17319,10 +17347,10 @@
               <a:buChar char="●"/>
             </a:pPr>
             <a:r>
-              <a:rPr lang="en"/>
+              <a:rPr lang="en" dirty="0"/>
               <a:t>The US Department of State (DOS) issues, in case of emergencies, danger notices in order to alert anyone who has to physically travel abroad</a:t>
             </a:r>
-            <a:endParaRPr/>
+            <a:endParaRPr dirty="0"/>
           </a:p>
           <a:p>
             <a:pPr marL="457200" lvl="0" indent="-342900" algn="l" rtl="0">
@@ -17339,18 +17367,18 @@
               <a:buChar char="●"/>
             </a:pPr>
             <a:r>
-              <a:rPr lang="en"/>
+              <a:rPr lang="en" dirty="0"/>
               <a:t>The goal of this project is to extract interesting </a:t>
             </a:r>
             <a:r>
-              <a:rPr lang="en" u="sng"/>
+              <a:rPr lang="en" u="sng" dirty="0"/>
               <a:t>information </a:t>
             </a:r>
             <a:r>
-              <a:rPr lang="en"/>
+              <a:rPr lang="en" dirty="0"/>
               <a:t>from data for the years 2008-2016</a:t>
             </a:r>
-            <a:endParaRPr/>
+            <a:endParaRPr dirty="0"/>
           </a:p>
         </p:txBody>
       </p:sp>
@@ -17678,15 +17706,21 @@
             <a:r>
               <a:rPr lang="en" sz="1600" dirty="0">
                 <a:solidFill>
+                  <a:schemeClr val="tx1"/>
+                </a:solidFill>
+                <a:highlight>
                   <a:srgbClr val="FF0000"/>
-                </a:solidFill>
+                </a:highlight>
               </a:rPr>
-              <a:t>warnings have been issued to the countries that are actually more dangerous.</a:t>
+              <a:t>warnings have been issued to some of the countries that are actually more dangerous.</a:t>
             </a:r>
             <a:endParaRPr sz="1600" dirty="0">
               <a:solidFill>
+                <a:schemeClr val="tx1"/>
+              </a:solidFill>
+              <a:highlight>
                 <a:srgbClr val="FF0000"/>
-              </a:solidFill>
+              </a:highlight>
             </a:endParaRPr>
           </a:p>
           <a:p>
@@ -18021,15 +18055,18 @@
             </a:r>
             <a:r>
               <a:rPr lang="en" dirty="0"/>
-              <a:t>, we observe a clear </a:t>
+              <a:t>, show a clear </a:t>
             </a:r>
             <a:r>
               <a:rPr lang="en" dirty="0">
                 <a:solidFill>
+                  <a:schemeClr val="tx1"/>
+                </a:solidFill>
+                <a:highlight>
                   <a:srgbClr val="FF0000"/>
-                </a:solidFill>
+                </a:highlight>
               </a:rPr>
-              <a:t>increase in deaths in the winter months </a:t>
+              <a:t>increase in deaths in the winter months</a:t>
             </a:r>
             <a:r>
               <a:rPr lang="en" dirty="0"/>
@@ -18097,11 +18134,11 @@
                   <a:srgbClr val="FFFF00"/>
                 </a:solidFill>
               </a:rPr>
-              <a:t>w1 </a:t>
+              <a:t>w1</a:t>
             </a:r>
             <a:r>
               <a:rPr lang="en" dirty="0"/>
-              <a:t>, then aggregating each table by season and finally merging the two tables into one final table.</a:t>
+              <a:t>, then aggregating each table by season and finally merging the two tables into a unique table.</a:t>
             </a:r>
           </a:p>
           <a:p>
@@ -18421,30 +18458,32 @@
               <a:buNone/>
             </a:pPr>
             <a:r>
-              <a:rPr lang="en" dirty="0"/>
+              <a:rPr lang="en-US" dirty="0"/>
               <a:t>Cumulative data relating to the number of deaths per season</a:t>
             </a:r>
             <a:r>
-              <a:rPr lang="en" baseline="30000" dirty="0"/>
+              <a:rPr lang="en-US" baseline="30000" dirty="0"/>
               <a:t>1</a:t>
             </a:r>
             <a:r>
-              <a:rPr lang="en" dirty="0"/>
-              <a:t>, we observe a clear </a:t>
-            </a:r>
-            <a:r>
-              <a:rPr lang="en" dirty="0">
+              <a:rPr lang="en-US" dirty="0"/>
+              <a:t>, show a clear </a:t>
+            </a:r>
+            <a:r>
+              <a:rPr lang="en-US" dirty="0">
                 <a:solidFill>
+                  <a:schemeClr val="tx1"/>
+                </a:solidFill>
+                <a:highlight>
                   <a:srgbClr val="FF0000"/>
-                </a:solidFill>
+                </a:highlight>
               </a:rPr>
-              <a:t>increase in deaths in the winter months </a:t>
-            </a:r>
-            <a:r>
-              <a:rPr lang="en" dirty="0"/>
+              <a:t>increase in deaths in the winter months</a:t>
+            </a:r>
+            <a:r>
+              <a:rPr lang="en-US" dirty="0"/>
               <a:t>, approximately 4-5 times compared to the other months.</a:t>
             </a:r>
-            <a:endParaRPr dirty="0"/>
           </a:p>
           <a:p>
             <a:pPr marL="0" lvl="0" indent="0" algn="l" rtl="0">
@@ -18461,23 +18500,31 @@
               <a:buNone/>
             </a:pPr>
             <a:r>
-              <a:rPr lang="en" dirty="0"/>
+              <a:rPr lang="en-US" dirty="0"/>
               <a:t>Again I used CTE (Common Table Expression) to pull data from the </a:t>
             </a:r>
             <a:r>
-              <a:rPr lang="en" dirty="0">
+              <a:rPr lang="en-US" dirty="0" err="1">
                 <a:solidFill>
                   <a:srgbClr val="FFFF00"/>
                 </a:solidFill>
               </a:rPr>
-              <a:t>deaths_abroad </a:t>
-            </a:r>
-            <a:r>
-              <a:rPr lang="en" dirty="0"/>
+              <a:t>deaths_abroad</a:t>
+            </a:r>
+            <a:r>
+              <a:rPr lang="en-US" dirty="0">
+                <a:solidFill>
+                  <a:srgbClr val="FFFF00"/>
+                </a:solidFill>
+              </a:rPr>
+              <a:t> </a:t>
+            </a:r>
+            <a:r>
+              <a:rPr lang="en-US" dirty="0"/>
               <a:t>and </a:t>
             </a:r>
             <a:r>
-              <a:rPr lang="en" dirty="0">
+              <a:rPr lang="en-US" dirty="0">
                 <a:solidFill>
                   <a:srgbClr val="FFFF00"/>
                 </a:solidFill>
@@ -18485,11 +18532,11 @@
               <a:t>warnings tables </a:t>
             </a:r>
             <a:r>
-              <a:rPr lang="en" dirty="0"/>
+              <a:rPr lang="en-US" dirty="0"/>
               <a:t>in </a:t>
             </a:r>
             <a:r>
-              <a:rPr lang="en" dirty="0">
+              <a:rPr lang="en-US" dirty="0">
                 <a:solidFill>
                   <a:srgbClr val="FFFF00"/>
                 </a:solidFill>
@@ -18497,20 +18544,20 @@
               <a:t>d1 </a:t>
             </a:r>
             <a:r>
-              <a:rPr lang="en" dirty="0"/>
+              <a:rPr lang="en-US" dirty="0"/>
               <a:t>and </a:t>
             </a:r>
             <a:r>
-              <a:rPr lang="en" dirty="0">
+              <a:rPr lang="en-US" dirty="0">
                 <a:solidFill>
                   <a:srgbClr val="FFFF00"/>
                 </a:solidFill>
               </a:rPr>
-              <a:t>w1 </a:t>
-            </a:r>
-            <a:r>
-              <a:rPr lang="en" dirty="0"/>
-              <a:t>, then aggregating each table by season and finally merging the two tables into one final table.</a:t>
+              <a:t>w1</a:t>
+            </a:r>
+            <a:r>
+              <a:rPr lang="en-US" dirty="0"/>
+              <a:t>, then aggregating each table by season and finally merging the two tables into a unique table.</a:t>
             </a:r>
           </a:p>
           <a:p>
@@ -18532,38 +18579,6 @@
               <a:rPr lang="en-US" sz="1100" i="1" dirty="0"/>
               <a:t>Season are described according to boreal hemisphere</a:t>
             </a:r>
-          </a:p>
-          <a:p>
-            <a:pPr marL="0" lvl="0" indent="0" algn="l" rtl="0">
-              <a:lnSpc>
-                <a:spcPct val="115000"/>
-              </a:lnSpc>
-              <a:spcBef>
-                <a:spcPts val="1200"/>
-              </a:spcBef>
-              <a:spcAft>
-                <a:spcPts val="1200"/>
-              </a:spcAft>
-              <a:buSzPct val="108108"/>
-              <a:buNone/>
-            </a:pPr>
-            <a:endParaRPr lang="en" dirty="0"/>
-          </a:p>
-          <a:p>
-            <a:pPr marL="0" lvl="0" indent="0" algn="l" rtl="0">
-              <a:lnSpc>
-                <a:spcPct val="115000"/>
-              </a:lnSpc>
-              <a:spcBef>
-                <a:spcPts val="1200"/>
-              </a:spcBef>
-              <a:spcAft>
-                <a:spcPts val="1200"/>
-              </a:spcAft>
-              <a:buSzPct val="108108"/>
-              <a:buNone/>
-            </a:pPr>
-            <a:endParaRPr lang="it-IT" dirty="0"/>
           </a:p>
         </p:txBody>
       </p:sp>
@@ -18803,30 +18818,32 @@
               <a:buNone/>
             </a:pPr>
             <a:r>
-              <a:rPr lang="en" dirty="0"/>
+              <a:rPr lang="en-US" dirty="0"/>
               <a:t>Cumulative data relating to the number of deaths per season</a:t>
             </a:r>
             <a:r>
-              <a:rPr lang="en" baseline="30000" dirty="0"/>
+              <a:rPr lang="en-US" baseline="30000" dirty="0"/>
               <a:t>1</a:t>
             </a:r>
             <a:r>
-              <a:rPr lang="en" dirty="0"/>
-              <a:t>, we observe a clear </a:t>
-            </a:r>
-            <a:r>
-              <a:rPr lang="en" dirty="0">
+              <a:rPr lang="en-US" dirty="0"/>
+              <a:t>, show a clear </a:t>
+            </a:r>
+            <a:r>
+              <a:rPr lang="en-US" dirty="0">
                 <a:solidFill>
+                  <a:schemeClr val="tx1"/>
+                </a:solidFill>
+                <a:highlight>
                   <a:srgbClr val="FF0000"/>
-                </a:solidFill>
+                </a:highlight>
               </a:rPr>
-              <a:t>increase in deaths in the winter months </a:t>
-            </a:r>
-            <a:r>
-              <a:rPr lang="en" dirty="0"/>
+              <a:t>increase in deaths in the winter months</a:t>
+            </a:r>
+            <a:r>
+              <a:rPr lang="en-US" dirty="0"/>
               <a:t>, approximately 4-5 times compared to the other months.</a:t>
             </a:r>
-            <a:endParaRPr dirty="0"/>
           </a:p>
           <a:p>
             <a:pPr marL="0" lvl="0" indent="0" algn="l" rtl="0">
@@ -18843,23 +18860,31 @@
               <a:buNone/>
             </a:pPr>
             <a:r>
-              <a:rPr lang="en" dirty="0"/>
+              <a:rPr lang="en-US" dirty="0"/>
               <a:t>Again I used CTE (Common Table Expression) to pull data from the </a:t>
             </a:r>
             <a:r>
-              <a:rPr lang="en" dirty="0">
+              <a:rPr lang="en-US" dirty="0" err="1">
                 <a:solidFill>
                   <a:srgbClr val="FFFF00"/>
                 </a:solidFill>
               </a:rPr>
-              <a:t>deaths_abroad </a:t>
-            </a:r>
-            <a:r>
-              <a:rPr lang="en" dirty="0"/>
+              <a:t>deaths_abroad</a:t>
+            </a:r>
+            <a:r>
+              <a:rPr lang="en-US" dirty="0">
+                <a:solidFill>
+                  <a:srgbClr val="FFFF00"/>
+                </a:solidFill>
+              </a:rPr>
+              <a:t> </a:t>
+            </a:r>
+            <a:r>
+              <a:rPr lang="en-US" dirty="0"/>
               <a:t>and </a:t>
             </a:r>
             <a:r>
-              <a:rPr lang="en" dirty="0">
+              <a:rPr lang="en-US" dirty="0">
                 <a:solidFill>
                   <a:srgbClr val="FFFF00"/>
                 </a:solidFill>
@@ -18867,11 +18892,11 @@
               <a:t>warnings tables </a:t>
             </a:r>
             <a:r>
-              <a:rPr lang="en" dirty="0"/>
+              <a:rPr lang="en-US" dirty="0"/>
               <a:t>in </a:t>
             </a:r>
             <a:r>
-              <a:rPr lang="en" dirty="0">
+              <a:rPr lang="en-US" dirty="0">
                 <a:solidFill>
                   <a:srgbClr val="FFFF00"/>
                 </a:solidFill>
@@ -18879,20 +18904,20 @@
               <a:t>d1 </a:t>
             </a:r>
             <a:r>
-              <a:rPr lang="en" dirty="0"/>
+              <a:rPr lang="en-US" dirty="0"/>
               <a:t>and </a:t>
             </a:r>
             <a:r>
-              <a:rPr lang="en" dirty="0">
+              <a:rPr lang="en-US" dirty="0">
                 <a:solidFill>
                   <a:srgbClr val="FFFF00"/>
                 </a:solidFill>
               </a:rPr>
-              <a:t>w1 </a:t>
-            </a:r>
-            <a:r>
-              <a:rPr lang="en" dirty="0"/>
-              <a:t>, then aggregating each table by season and finally merging the two tables into one final table.</a:t>
+              <a:t>w1</a:t>
+            </a:r>
+            <a:r>
+              <a:rPr lang="en-US" dirty="0"/>
+              <a:t>, then aggregating each table by season and finally merging the two tables into a unique table.</a:t>
             </a:r>
           </a:p>
           <a:p>
@@ -18914,38 +18939,6 @@
               <a:rPr lang="en-US" sz="1100" i="1" dirty="0"/>
               <a:t>Season are described according to boreal hemisphere</a:t>
             </a:r>
-          </a:p>
-          <a:p>
-            <a:pPr marL="0" lvl="0" indent="0" algn="l" rtl="0">
-              <a:lnSpc>
-                <a:spcPct val="115000"/>
-              </a:lnSpc>
-              <a:spcBef>
-                <a:spcPts val="1200"/>
-              </a:spcBef>
-              <a:spcAft>
-                <a:spcPts val="1200"/>
-              </a:spcAft>
-              <a:buSzPct val="108108"/>
-              <a:buNone/>
-            </a:pPr>
-            <a:endParaRPr lang="en" dirty="0"/>
-          </a:p>
-          <a:p>
-            <a:pPr marL="0" lvl="0" indent="0" algn="l" rtl="0">
-              <a:lnSpc>
-                <a:spcPct val="115000"/>
-              </a:lnSpc>
-              <a:spcBef>
-                <a:spcPts val="1200"/>
-              </a:spcBef>
-              <a:spcAft>
-                <a:spcPts val="1200"/>
-              </a:spcAft>
-              <a:buSzPct val="108108"/>
-              <a:buNone/>
-            </a:pPr>
-            <a:endParaRPr lang="it-IT" dirty="0"/>
           </a:p>
         </p:txBody>
       </p:sp>
@@ -19171,23 +19164,23 @@
               <a:buNone/>
             </a:pPr>
             <a:r>
-              <a:rPr lang="en"/>
-              <a:t>Based on the data collected, the most common cause of death is homicide </a:t>
-            </a:r>
-            <a:r>
-              <a:rPr lang="en">
+              <a:rPr lang="en" dirty="0"/>
+              <a:t>Based on the data collected, the most common cause of death is homicide,</a:t>
+            </a:r>
+            <a:r>
+              <a:rPr lang="en" dirty="0">
                 <a:solidFill>
                   <a:srgbClr val="FF0000"/>
                 </a:solidFill>
               </a:rPr>
-              <a:t>, </a:t>
-            </a:r>
-            <a:r>
-              <a:rPr lang="en"/>
+              <a:t> </a:t>
+            </a:r>
+            <a:r>
+              <a:rPr lang="en" dirty="0"/>
               <a:t>while as regards fatal accidents with vehicles, the most dangerous means is the </a:t>
             </a:r>
             <a:r>
-              <a:rPr lang="en">
+              <a:rPr lang="en" dirty="0">
                 <a:solidFill>
                   <a:srgbClr val="FF0000"/>
                 </a:solidFill>
@@ -19195,10 +19188,10 @@
               <a:t>automobile </a:t>
             </a:r>
             <a:r>
-              <a:rPr lang="en"/>
+              <a:rPr lang="en" dirty="0"/>
               <a:t>.</a:t>
             </a:r>
-            <a:endParaRPr/>
+            <a:endParaRPr dirty="0"/>
           </a:p>
           <a:p>
             <a:pPr marL="0" lvl="0" indent="0" algn="l" rtl="0">
@@ -19215,10 +19208,10 @@
               <a:buNone/>
             </a:pPr>
             <a:r>
-              <a:rPr lang="en"/>
+              <a:rPr lang="en" dirty="0"/>
               <a:t>A non-negligible number of deaths are attributed to suicides.</a:t>
             </a:r>
-            <a:endParaRPr/>
+            <a:endParaRPr dirty="0"/>
           </a:p>
         </p:txBody>
       </p:sp>
@@ -19396,21 +19389,27 @@
               <a:buNone/>
             </a:pPr>
             <a:r>
-              <a:rPr lang="en"/>
+              <a:rPr lang="en" dirty="0"/>
               <a:t>The phenomenon of terrorism has been at the center of the international debate for more than 20 years. Including all the countries of the world, Afghanistan is found to be the country with the highest terrorist risk with </a:t>
             </a:r>
             <a:r>
-              <a:rPr lang="en">
+              <a:rPr lang="en" dirty="0">
                 <a:solidFill>
+                  <a:schemeClr val="tx1"/>
+                </a:solidFill>
+                <a:highlight>
                   <a:srgbClr val="FF0000"/>
-                </a:solidFill>
+                </a:highlight>
               </a:rPr>
               <a:t>73 terrorist acts out of 107 recorded.</a:t>
             </a:r>
-            <a:endParaRPr>
+            <a:endParaRPr dirty="0">
               <a:solidFill>
+                <a:schemeClr val="tx1"/>
+              </a:solidFill>
+              <a:highlight>
                 <a:srgbClr val="FF0000"/>
-              </a:solidFill>
+              </a:highlight>
             </a:endParaRPr>
           </a:p>
         </p:txBody>
@@ -19469,68 +19468,6 @@
       </p:grpSpPr>
       <p:sp>
         <p:nvSpPr>
-          <p:cNvPr id="310" name="Google Shape;310;p26"/>
-          <p:cNvSpPr txBox="1">
-            <a:spLocks noGrp="1"/>
-          </p:cNvSpPr>
-          <p:nvPr>
-            <p:ph type="title"/>
-          </p:nvPr>
-        </p:nvSpPr>
-        <p:spPr>
-          <a:xfrm>
-            <a:off x="311700" y="445025"/>
-            <a:ext cx="8520600" cy="572700"/>
-          </a:xfrm>
-          <a:prstGeom prst="rect">
-            <a:avLst/>
-          </a:prstGeom>
-          <a:noFill/>
-          <a:ln>
-            <a:noFill/>
-          </a:ln>
-        </p:spPr>
-        <p:txBody>
-          <a:bodyPr spcFirstLastPara="1" wrap="square" lIns="91425" tIns="91425" rIns="91425" bIns="91425" anchor="t" anchorCtr="0">
-            <a:normAutofit fontScale="90000"/>
-          </a:bodyPr>
-          <a:lstStyle/>
-          <a:p>
-            <a:pPr marL="0" lvl="0" indent="0" algn="l" rtl="0">
-              <a:lnSpc>
-                <a:spcPct val="100000"/>
-              </a:lnSpc>
-              <a:spcBef>
-                <a:spcPts val="0"/>
-              </a:spcBef>
-              <a:spcAft>
-                <a:spcPts val="0"/>
-              </a:spcAft>
-              <a:buSzPct val="125031"/>
-              <a:buNone/>
-            </a:pPr>
-            <a:r>
-              <a:rPr lang="it-IT" sz="2800" dirty="0"/>
-              <a:t>Query 8 - </a:t>
-            </a:r>
-            <a:r>
-              <a:rPr lang="en-US" sz="2400" dirty="0"/>
-              <a:t>Comparison terrorism - warnings by country</a:t>
-            </a:r>
-            <a:r>
-              <a:rPr lang="en" sz="2400" dirty="0"/>
-              <a:t> </a:t>
-            </a:r>
-            <a:r>
-              <a:rPr lang="it-IT" sz="2400" dirty="0"/>
-              <a:t>1/2</a:t>
-            </a:r>
-            <a:endParaRPr lang="en-US" sz="2666" dirty="0"/>
-          </a:p>
-        </p:txBody>
-      </p:sp>
-      <p:sp>
-        <p:nvSpPr>
           <p:cNvPr id="311" name="Google Shape;311;p26"/>
           <p:cNvSpPr txBox="1">
             <a:spLocks noGrp="1"/>
@@ -19622,11 +19559,11 @@
               <a:buNone/>
             </a:pPr>
             <a:r>
-              <a:rPr lang="en"/>
+              <a:rPr lang="en" dirty="0"/>
               <a:t>Again I used CTE (Common Table Expression) to extract data from the </a:t>
             </a:r>
             <a:r>
-              <a:rPr lang="en">
+              <a:rPr lang="en" dirty="0">
                 <a:solidFill>
                   <a:srgbClr val="FFFF00"/>
                 </a:solidFill>
@@ -19634,22 +19571,22 @@
               <a:t>deaths_abroad </a:t>
             </a:r>
             <a:r>
-              <a:rPr lang="en"/>
+              <a:rPr lang="en" dirty="0"/>
               <a:t>and </a:t>
             </a:r>
             <a:r>
-              <a:rPr lang="en">
+              <a:rPr lang="en" dirty="0">
                 <a:solidFill>
                   <a:srgbClr val="FFFF00"/>
                 </a:solidFill>
               </a:rPr>
-              <a:t>warnings tables </a:t>
-            </a:r>
-            <a:r>
-              <a:rPr lang="en"/>
-              <a:t>, filtering the results with respect to the cause of death of interest, aggregating each table by country and finally merging the two tables.</a:t>
-            </a:r>
-            <a:endParaRPr>
+              <a:t>warnings tables,</a:t>
+            </a:r>
+            <a:r>
+              <a:rPr lang="en" dirty="0"/>
+              <a:t> filtering the results for the cause of death of interest, aggregating each table by country and finally merging the two tables.</a:t>
+            </a:r>
+            <a:endParaRPr dirty="0">
               <a:solidFill>
                 <a:srgbClr val="FF0000"/>
               </a:solidFill>
@@ -19684,6 +19621,68 @@
           </a:ln>
         </p:spPr>
       </p:pic>
+      <p:sp>
+        <p:nvSpPr>
+          <p:cNvPr id="5" name="Google Shape;302;p25">
+            <a:extLst>
+              <a:ext uri="{FF2B5EF4-FFF2-40B4-BE49-F238E27FC236}">
+                <a16:creationId xmlns:a16="http://schemas.microsoft.com/office/drawing/2014/main" id="{CF3B6BEC-BA3E-3F26-2D19-DACC409EB56C}"/>
+              </a:ext>
+            </a:extLst>
+          </p:cNvPr>
+          <p:cNvSpPr txBox="1">
+            <a:spLocks noGrp="1"/>
+          </p:cNvSpPr>
+          <p:nvPr>
+            <p:ph type="title"/>
+          </p:nvPr>
+        </p:nvSpPr>
+        <p:spPr>
+          <a:xfrm>
+            <a:off x="311700" y="445025"/>
+            <a:ext cx="8520600" cy="572700"/>
+          </a:xfrm>
+          <a:prstGeom prst="rect">
+            <a:avLst/>
+          </a:prstGeom>
+          <a:noFill/>
+          <a:ln>
+            <a:noFill/>
+          </a:ln>
+        </p:spPr>
+        <p:txBody>
+          <a:bodyPr spcFirstLastPara="1" wrap="square" lIns="91425" tIns="91425" rIns="91425" bIns="91425" anchor="t" anchorCtr="0">
+            <a:normAutofit fontScale="90000"/>
+          </a:bodyPr>
+          <a:lstStyle/>
+          <a:p>
+            <a:pPr>
+              <a:buSzPct val="125031"/>
+            </a:pPr>
+            <a:r>
+              <a:rPr lang="it-IT" dirty="0"/>
+              <a:t>Query 8 </a:t>
+            </a:r>
+            <a:r>
+              <a:rPr lang="it-IT" sz="3100" dirty="0"/>
+              <a:t>- </a:t>
+            </a:r>
+            <a:r>
+              <a:rPr lang="en-US" sz="2700" dirty="0"/>
+              <a:t>Comparison terrorism - warnings by country</a:t>
+            </a:r>
+            <a:r>
+              <a:rPr lang="en" sz="2700" dirty="0"/>
+              <a:t> </a:t>
+            </a:r>
+            <a:r>
+              <a:rPr lang="it-IT" sz="2700" dirty="0"/>
+              <a:t>2/2</a:t>
+            </a:r>
+            <a:endParaRPr lang="it-IT" sz="2666" dirty="0"/>
+          </a:p>
+        </p:txBody>
+      </p:sp>
     </p:spTree>
   </p:cSld>
   <p:clrMapOvr>
@@ -19838,7 +19837,7 @@
         </p:spPr>
         <p:txBody>
           <a:bodyPr spcFirstLastPara="1" wrap="square" lIns="91425" tIns="91425" rIns="91425" bIns="91425" anchor="t" anchorCtr="0">
-            <a:normAutofit fontScale="92500" lnSpcReduction="10000"/>
+            <a:normAutofit lnSpcReduction="10000"/>
           </a:bodyPr>
           <a:lstStyle/>
           <a:p>
@@ -19857,15 +19856,18 @@
             </a:pPr>
             <a:r>
               <a:rPr lang="en" dirty="0"/>
-              <a:t>In this query, the data relating to deaths from terrorist acts were aggregated according to the season</a:t>
-            </a:r>
-            <a:r>
-              <a:rPr lang="en" baseline="30000" dirty="0"/>
-              <a:t>1</a:t>
-            </a:r>
-            <a:r>
-              <a:rPr lang="en" dirty="0"/>
-              <a:t> with the aim of detecting trends. In the light of the results, </a:t>
+              <a:t>In this query, the data related to deaths from terrorist acts were aggregated according to the season with the aim of detecting trends. In the light of the results, </a:t>
+            </a:r>
+            <a:r>
+              <a:rPr lang="en" dirty="0">
+                <a:solidFill>
+                  <a:schemeClr val="tx1"/>
+                </a:solidFill>
+                <a:highlight>
+                  <a:srgbClr val="FF0000"/>
+                </a:highlight>
+              </a:rPr>
+              <a:t>no significant trends seem to emerge</a:t>
             </a:r>
             <a:r>
               <a:rPr lang="en" dirty="0">
@@ -19873,7 +19875,7 @@
                   <a:srgbClr val="FF0000"/>
                 </a:solidFill>
               </a:rPr>
-              <a:t>no significant trends seem to emerge </a:t>
+              <a:t> </a:t>
             </a:r>
             <a:r>
               <a:rPr lang="en" dirty="0"/>
@@ -19899,41 +19901,6 @@
               <a:rPr lang="en" dirty="0"/>
               <a:t>From a structural point of view, this query is completely superimposable on query n.6</a:t>
             </a:r>
-          </a:p>
-          <a:p>
-            <a:pPr marL="0" indent="0">
-              <a:spcBef>
-                <a:spcPts val="1200"/>
-              </a:spcBef>
-              <a:spcAft>
-                <a:spcPts val="1200"/>
-              </a:spcAft>
-              <a:buNone/>
-            </a:pPr>
-            <a:r>
-              <a:rPr lang="en-US" sz="1200" baseline="30000" dirty="0"/>
-              <a:t>1</a:t>
-            </a:r>
-            <a:r>
-              <a:rPr lang="en-US" sz="1200" i="1" dirty="0"/>
-              <a:t>Season are described according to boreal hemisphere</a:t>
-            </a:r>
-          </a:p>
-          <a:p>
-            <a:pPr marL="0" lvl="0" indent="0" algn="l" rtl="0">
-              <a:lnSpc>
-                <a:spcPct val="115000"/>
-              </a:lnSpc>
-              <a:spcBef>
-                <a:spcPts val="1200"/>
-              </a:spcBef>
-              <a:spcAft>
-                <a:spcPts val="1200"/>
-              </a:spcAft>
-              <a:buSzPts val="1800"/>
-              <a:buNone/>
-            </a:pPr>
-            <a:endParaRPr lang="en" dirty="0"/>
           </a:p>
           <a:p>
             <a:pPr marL="0" lvl="0" indent="0" algn="l" rtl="0">
@@ -20192,10 +20159,10 @@
       </p:pic>
       <p:sp>
         <p:nvSpPr>
-          <p:cNvPr id="5" name="Google Shape;320;p27">
+          <p:cNvPr id="6" name="Google Shape;320;p27">
             <a:extLst>
               <a:ext uri="{FF2B5EF4-FFF2-40B4-BE49-F238E27FC236}">
-                <a16:creationId xmlns:a16="http://schemas.microsoft.com/office/drawing/2014/main" id="{C3F7623E-C11E-F3BA-D81A-C47ACE2707D7}"/>
+                <a16:creationId xmlns:a16="http://schemas.microsoft.com/office/drawing/2014/main" id="{989AC3C1-403A-61DD-2B1D-E5AE70E05D6E}"/>
               </a:ext>
             </a:extLst>
           </p:cNvPr>
@@ -20221,7 +20188,7 @@
         </p:spPr>
         <p:txBody>
           <a:bodyPr spcFirstLastPara="1" wrap="square" lIns="91425" tIns="91425" rIns="91425" bIns="91425" anchor="t" anchorCtr="0">
-            <a:normAutofit fontScale="92500" lnSpcReduction="10000"/>
+            <a:normAutofit lnSpcReduction="10000"/>
           </a:bodyPr>
           <a:lstStyle/>
           <a:p>
@@ -20240,15 +20207,18 @@
             </a:pPr>
             <a:r>
               <a:rPr lang="en" dirty="0"/>
-              <a:t>In this query, the data relating to deaths from terrorist acts were aggregated according to the season</a:t>
-            </a:r>
-            <a:r>
-              <a:rPr lang="en" baseline="30000" dirty="0"/>
-              <a:t>1</a:t>
-            </a:r>
-            <a:r>
-              <a:rPr lang="en" dirty="0"/>
-              <a:t> with the aim of detecting trends. In the light of the results, </a:t>
+              <a:t>In this query, the data related to deaths from terrorist acts were aggregated according to the season with the aim of detecting trends. In the light of the results, </a:t>
+            </a:r>
+            <a:r>
+              <a:rPr lang="en" dirty="0">
+                <a:solidFill>
+                  <a:schemeClr val="tx1"/>
+                </a:solidFill>
+                <a:highlight>
+                  <a:srgbClr val="FF0000"/>
+                </a:highlight>
+              </a:rPr>
+              <a:t>no significant trends seem to emerge</a:t>
             </a:r>
             <a:r>
               <a:rPr lang="en" dirty="0">
@@ -20256,7 +20226,7 @@
                   <a:srgbClr val="FF0000"/>
                 </a:solidFill>
               </a:rPr>
-              <a:t>no significant trends seem to emerge </a:t>
+              <a:t> </a:t>
             </a:r>
             <a:r>
               <a:rPr lang="en" dirty="0"/>
@@ -20282,41 +20252,6 @@
               <a:rPr lang="en" dirty="0"/>
               <a:t>From a structural point of view, this query is completely superimposable on query n.6</a:t>
             </a:r>
-          </a:p>
-          <a:p>
-            <a:pPr marL="0" indent="0">
-              <a:spcBef>
-                <a:spcPts val="1200"/>
-              </a:spcBef>
-              <a:spcAft>
-                <a:spcPts val="1200"/>
-              </a:spcAft>
-              <a:buNone/>
-            </a:pPr>
-            <a:r>
-              <a:rPr lang="en-US" sz="1200" baseline="30000" dirty="0"/>
-              <a:t>1</a:t>
-            </a:r>
-            <a:r>
-              <a:rPr lang="en-US" sz="1200" i="1" dirty="0"/>
-              <a:t>Season are described according to boreal hemisphere</a:t>
-            </a:r>
-          </a:p>
-          <a:p>
-            <a:pPr marL="0" lvl="0" indent="0" algn="l" rtl="0">
-              <a:lnSpc>
-                <a:spcPct val="115000"/>
-              </a:lnSpc>
-              <a:spcBef>
-                <a:spcPts val="1200"/>
-              </a:spcBef>
-              <a:spcAft>
-                <a:spcPts val="1200"/>
-              </a:spcAft>
-              <a:buSzPts val="1800"/>
-              <a:buNone/>
-            </a:pPr>
-            <a:endParaRPr lang="en" dirty="0"/>
           </a:p>
           <a:p>
             <a:pPr marL="0" lvl="0" indent="0" algn="l" rtl="0">
@@ -20521,10 +20456,10 @@
       </p:pic>
       <p:sp>
         <p:nvSpPr>
-          <p:cNvPr id="4" name="Google Shape;320;p27">
+          <p:cNvPr id="5" name="Google Shape;320;p27">
             <a:extLst>
               <a:ext uri="{FF2B5EF4-FFF2-40B4-BE49-F238E27FC236}">
-                <a16:creationId xmlns:a16="http://schemas.microsoft.com/office/drawing/2014/main" id="{27648B93-0A9E-F85C-CA28-A7FC7CCAAF50}"/>
+                <a16:creationId xmlns:a16="http://schemas.microsoft.com/office/drawing/2014/main" id="{5226024F-0096-00DB-6DEC-63D9315F5712}"/>
               </a:ext>
             </a:extLst>
           </p:cNvPr>
@@ -20550,7 +20485,7 @@
         </p:spPr>
         <p:txBody>
           <a:bodyPr spcFirstLastPara="1" wrap="square" lIns="91425" tIns="91425" rIns="91425" bIns="91425" anchor="t" anchorCtr="0">
-            <a:normAutofit fontScale="92500" lnSpcReduction="10000"/>
+            <a:normAutofit lnSpcReduction="10000"/>
           </a:bodyPr>
           <a:lstStyle/>
           <a:p>
@@ -20569,15 +20504,18 @@
             </a:pPr>
             <a:r>
               <a:rPr lang="en" dirty="0"/>
-              <a:t>In this query, the data relating to deaths from terrorist acts were aggregated according to the season</a:t>
-            </a:r>
-            <a:r>
-              <a:rPr lang="en" baseline="30000" dirty="0"/>
-              <a:t>1</a:t>
-            </a:r>
-            <a:r>
-              <a:rPr lang="en" dirty="0"/>
-              <a:t> with the aim of detecting trends. In the light of the results, </a:t>
+              <a:t>In this query, the data related to deaths from terrorist acts were aggregated according to the season with the aim of detecting trends. In the light of the results, </a:t>
+            </a:r>
+            <a:r>
+              <a:rPr lang="en" dirty="0">
+                <a:solidFill>
+                  <a:schemeClr val="tx1"/>
+                </a:solidFill>
+                <a:highlight>
+                  <a:srgbClr val="FF0000"/>
+                </a:highlight>
+              </a:rPr>
+              <a:t>no significant trends seem to emerge</a:t>
             </a:r>
             <a:r>
               <a:rPr lang="en" dirty="0">
@@ -20585,7 +20523,7 @@
                   <a:srgbClr val="FF0000"/>
                 </a:solidFill>
               </a:rPr>
-              <a:t>no significant trends seem to emerge </a:t>
+              <a:t> </a:t>
             </a:r>
             <a:r>
               <a:rPr lang="en" dirty="0"/>
@@ -20611,41 +20549,6 @@
               <a:rPr lang="en" dirty="0"/>
               <a:t>From a structural point of view, this query is completely superimposable on query n.6</a:t>
             </a:r>
-          </a:p>
-          <a:p>
-            <a:pPr marL="0" indent="0">
-              <a:spcBef>
-                <a:spcPts val="1200"/>
-              </a:spcBef>
-              <a:spcAft>
-                <a:spcPts val="1200"/>
-              </a:spcAft>
-              <a:buNone/>
-            </a:pPr>
-            <a:r>
-              <a:rPr lang="en-US" sz="1200" baseline="30000" dirty="0"/>
-              <a:t>1</a:t>
-            </a:r>
-            <a:r>
-              <a:rPr lang="en-US" sz="1200" i="1" dirty="0"/>
-              <a:t>Season are described according to boreal hemisphere</a:t>
-            </a:r>
-          </a:p>
-          <a:p>
-            <a:pPr marL="0" lvl="0" indent="0" algn="l" rtl="0">
-              <a:lnSpc>
-                <a:spcPct val="115000"/>
-              </a:lnSpc>
-              <a:spcBef>
-                <a:spcPts val="1200"/>
-              </a:spcBef>
-              <a:spcAft>
-                <a:spcPts val="1200"/>
-              </a:spcAft>
-              <a:buSzPts val="1800"/>
-              <a:buNone/>
-            </a:pPr>
-            <a:endParaRPr lang="en" dirty="0"/>
           </a:p>
           <a:p>
             <a:pPr marL="0" lvl="0" indent="0" algn="l" rtl="0">
@@ -21379,7 +21282,26 @@
             </a:pPr>
             <a:r>
               <a:rPr lang="en" dirty="0"/>
-              <a:t>In this query, the data relating to deaths from terrorist acts, warnings and passengers were aggregated according to the year of the event with the aim of detecting trends. In the light of the results, </a:t>
+              <a:t>In this query, the data related to deaths from terrorist acts, warnings and passengers were aggregated according to the year of the event with the aim of detecting trends. In the light of the results</a:t>
+            </a:r>
+            <a:r>
+              <a:rPr lang="en" dirty="0">
+                <a:solidFill>
+                  <a:schemeClr val="tx1"/>
+                </a:solidFill>
+              </a:rPr>
+              <a:t>, </a:t>
+            </a:r>
+            <a:r>
+              <a:rPr lang="en" dirty="0">
+                <a:solidFill>
+                  <a:schemeClr val="tx1"/>
+                </a:solidFill>
+                <a:highlight>
+                  <a:srgbClr val="FF0000"/>
+                </a:highlight>
+              </a:rPr>
+              <a:t>a correlation between the three parameters</a:t>
             </a:r>
             <a:r>
               <a:rPr lang="en" dirty="0">
@@ -21387,7 +21309,7 @@
                   <a:srgbClr val="FF0000"/>
                 </a:solidFill>
               </a:rPr>
-              <a:t>a correlation between the three parameters </a:t>
+              <a:t> </a:t>
             </a:r>
             <a:r>
               <a:rPr lang="en" dirty="0"/>
@@ -21411,7 +21333,7 @@
             </a:pPr>
             <a:r>
               <a:rPr lang="en" dirty="0"/>
-              <a:t>From a structural point of view, this query is completely superimposable on query n.8</a:t>
+              <a:t>From a structural point of view, also this query is completely superimposable on query n.8</a:t>
             </a:r>
             <a:endParaRPr dirty="0"/>
           </a:p>
@@ -21490,7 +21412,7 @@
             </a:r>
             <a:r>
               <a:rPr lang="en" sz="2400" dirty="0"/>
-              <a:t>Multiple comparison in the historical series 1/2</a:t>
+              <a:t>Multiple comparison in the historical series 2/2</a:t>
             </a:r>
             <a:endParaRPr sz="2400" dirty="0"/>
           </a:p>
@@ -21575,7 +21497,13 @@
       </p:pic>
       <p:sp>
         <p:nvSpPr>
-          <p:cNvPr id="356" name="Google Shape;356;p31"/>
+          <p:cNvPr id="4" name="Google Shape;348;p30">
+            <a:extLst>
+              <a:ext uri="{FF2B5EF4-FFF2-40B4-BE49-F238E27FC236}">
+                <a16:creationId xmlns:a16="http://schemas.microsoft.com/office/drawing/2014/main" id="{01821A5C-312E-CA00-C0CB-B6AFE27AF805}"/>
+              </a:ext>
+            </a:extLst>
+          </p:cNvPr>
           <p:cNvSpPr txBox="1">
             <a:spLocks noGrp="1"/>
           </p:cNvSpPr>
@@ -21617,7 +21545,26 @@
             </a:pPr>
             <a:r>
               <a:rPr lang="en" dirty="0"/>
-              <a:t>In this query, the data relating to deaths from terrorist acts, warnings and passengers were aggregated according to the year of the event with the aim of detecting trends. In the light of the results, </a:t>
+              <a:t>In this query, the data related to deaths from terrorist acts, warnings and passengers were aggregated according to the year of the event with the aim of detecting trends. In the light of the results</a:t>
+            </a:r>
+            <a:r>
+              <a:rPr lang="en" dirty="0">
+                <a:solidFill>
+                  <a:schemeClr val="tx1"/>
+                </a:solidFill>
+              </a:rPr>
+              <a:t>, </a:t>
+            </a:r>
+            <a:r>
+              <a:rPr lang="en" dirty="0">
+                <a:solidFill>
+                  <a:schemeClr val="tx1"/>
+                </a:solidFill>
+                <a:highlight>
+                  <a:srgbClr val="FF0000"/>
+                </a:highlight>
+              </a:rPr>
+              <a:t>a correlation between the three parameters</a:t>
             </a:r>
             <a:r>
               <a:rPr lang="en" dirty="0">
@@ -21625,7 +21572,7 @@
                   <a:srgbClr val="FF0000"/>
                 </a:solidFill>
               </a:rPr>
-              <a:t>a correlation between the three parameters </a:t>
+              <a:t> </a:t>
             </a:r>
             <a:r>
               <a:rPr lang="en" dirty="0"/>
@@ -21649,7 +21596,7 @@
             </a:pPr>
             <a:r>
               <a:rPr lang="en" dirty="0"/>
-              <a:t>From a structural point of view, this query is completely superimposable on query n.8</a:t>
+              <a:t>From a structural point of view, also this query is completely superimposable on query n.8</a:t>
             </a:r>
             <a:endParaRPr dirty="0"/>
           </a:p>
@@ -21755,7 +21702,7 @@
         </p:spPr>
         <p:txBody>
           <a:bodyPr spcFirstLastPara="1" wrap="square" lIns="91425" tIns="91425" rIns="91425" bIns="91425" anchor="t" anchorCtr="0">
-            <a:normAutofit lnSpcReduction="10000"/>
+            <a:normAutofit fontScale="92500" lnSpcReduction="20000"/>
           </a:bodyPr>
           <a:lstStyle/>
           <a:p>
@@ -21812,7 +21759,7 @@
             </a:pPr>
             <a:r>
               <a:rPr lang="en-US" dirty="0"/>
-              <a:t>The third cause of death abroad is suicide</a:t>
+              <a:t>Homicide and vehicle accidents are the first causes of death, but suicide is unexpectedly the third</a:t>
             </a:r>
           </a:p>
           <a:p>
@@ -22144,7 +22091,7 @@
             </a:pPr>
             <a:r>
               <a:rPr lang="en" dirty="0"/>
-              <a:t>This project can be considered a starting point for subsequent analyzes and meta-analyses to be carried out with statistical methods</a:t>
+              <a:t>This project can be considered a starting point for subsequent analyzes and meta-analyses to be carried out with statistical methods using Python libraries</a:t>
             </a:r>
             <a:endParaRPr dirty="0"/>
           </a:p>
@@ -22164,7 +22111,7 @@
             </a:pPr>
             <a:r>
               <a:rPr lang="en" dirty="0"/>
-              <a:t>The results lend themselves to a graphical representation that goes beyond the aim of the current project</a:t>
+              <a:t>The results lend themselves to a graphical representation (e.g. Tableau or Power BI) that goes beyond the aim of the current project</a:t>
             </a:r>
           </a:p>
           <a:p>
@@ -22183,7 +22130,17 @@
             </a:pPr>
             <a:r>
               <a:rPr lang="en" dirty="0"/>
-              <a:t>Further analysis could be carried out using Python libraries and data visualisation softwares like Power BI or Tableau</a:t>
+              <a:t>The SQL code of this project is available on my </a:t>
+            </a:r>
+            <a:r>
+              <a:rPr lang="en" dirty="0">
+                <a:hlinkClick r:id="rId3"/>
+              </a:rPr>
+              <a:t>GitHub repository</a:t>
+            </a:r>
+            <a:r>
+              <a:rPr lang="en" dirty="0"/>
+              <a:t>.</a:t>
             </a:r>
             <a:endParaRPr dirty="0"/>
           </a:p>
@@ -22196,7 +22153,7 @@
           <p:nvPr/>
         </p:nvPicPr>
         <p:blipFill rotWithShape="1">
-          <a:blip r:embed="rId3">
+          <a:blip r:embed="rId4">
             <a:alphaModFix/>
           </a:blip>
           <a:srcRect/>
@@ -22223,7 +22180,7 @@
           <p:nvPr/>
         </p:nvPicPr>
         <p:blipFill rotWithShape="1">
-          <a:blip r:embed="rId4">
+          <a:blip r:embed="rId5">
             <a:alphaModFix/>
           </a:blip>
           <a:srcRect/>
@@ -22250,7 +22207,7 @@
           <p:nvPr/>
         </p:nvPicPr>
         <p:blipFill rotWithShape="1">
-          <a:blip r:embed="rId5">
+          <a:blip r:embed="rId6">
             <a:alphaModFix/>
           </a:blip>
           <a:srcRect l="37248" t="53476"/>
@@ -23698,11 +23655,11 @@
               <a:buNone/>
             </a:pPr>
             <a:r>
-              <a:rPr lang="en" sz="1500"/>
+              <a:rPr lang="en" sz="1500" dirty="0"/>
               <a:t>I inserted a block of code, also reused for the </a:t>
             </a:r>
             <a:r>
-              <a:rPr lang="en" sz="1500">
+              <a:rPr lang="en" sz="1500" dirty="0">
                 <a:solidFill>
                   <a:srgbClr val="FFFF00"/>
                 </a:solidFill>
@@ -23710,30 +23667,30 @@
               <a:t>deathpercapita </a:t>
             </a:r>
             <a:r>
-              <a:rPr lang="en" sz="1500"/>
+              <a:rPr lang="en" sz="1500" dirty="0"/>
               <a:t>and </a:t>
             </a:r>
             <a:r>
-              <a:rPr lang="en" sz="1500">
+              <a:rPr lang="en" sz="1500" dirty="0">
                 <a:solidFill>
                   <a:srgbClr val="FFFF00"/>
                 </a:solidFill>
               </a:rPr>
-              <a:t>travelafterwarning tables </a:t>
-            </a:r>
-            <a:r>
-              <a:rPr lang="en" sz="1500"/>
-              <a:t>, which creates the </a:t>
-            </a:r>
-            <a:r>
-              <a:rPr lang="en" sz="1500" i="1"/>
+              <a:t>travelafterwarning tables,</a:t>
+            </a:r>
+            <a:r>
+              <a:rPr lang="en" sz="1500" dirty="0"/>
+              <a:t> which creates the </a:t>
+            </a:r>
+            <a:r>
+              <a:rPr lang="en" sz="1500" i="1" dirty="0"/>
               <a:t>country_id field </a:t>
             </a:r>
             <a:r>
-              <a:rPr lang="en" sz="1500"/>
+              <a:rPr lang="en" sz="1500" dirty="0"/>
               <a:t>and imports the unique codes from countries with a JOIN, so as to have an identical foreign key in all the tables related to countries.</a:t>
             </a:r>
-            <a:endParaRPr sz="1500"/>
+            <a:endParaRPr sz="1500" dirty="0"/>
           </a:p>
           <a:p>
             <a:pPr marL="0" lvl="0" indent="0" algn="l" rtl="0">
@@ -23750,30 +23707,30 @@
               <a:buNone/>
             </a:pPr>
             <a:r>
-              <a:rPr lang="en" sz="1500" i="1"/>
-              <a:t>warning_record , </a:t>
-            </a:r>
-            <a:r>
-              <a:rPr lang="en" sz="1500"/>
+              <a:rPr lang="en" sz="1500" i="1" dirty="0"/>
+              <a:t>warning_record, </a:t>
+            </a:r>
+            <a:r>
+              <a:rPr lang="en" sz="1500" dirty="0"/>
               <a:t>has been created and set as the primary key. This made </a:t>
             </a:r>
             <a:r>
-              <a:rPr lang="en" sz="1500" i="1"/>
+              <a:rPr lang="en" sz="1500" i="1" dirty="0"/>
               <a:t>country_name </a:t>
             </a:r>
             <a:r>
-              <a:rPr lang="en" sz="1500"/>
+              <a:rPr lang="en" sz="1500" dirty="0"/>
               <a:t>non-essential and was dropped, promoting </a:t>
             </a:r>
             <a:r>
-              <a:rPr lang="en" sz="1500" i="1"/>
+              <a:rPr lang="en" sz="1500" i="1" dirty="0"/>
               <a:t>country_id </a:t>
             </a:r>
             <a:r>
-              <a:rPr lang="en" sz="1500"/>
+              <a:rPr lang="en" sz="1500" dirty="0"/>
               <a:t>to foreign key.</a:t>
             </a:r>
-            <a:endParaRPr sz="1500"/>
+            <a:endParaRPr sz="1500" dirty="0"/>
           </a:p>
         </p:txBody>
       </p:sp>
